--- a/课程PPT/08.JS函数对象.pptx
+++ b/课程PPT/08.JS函数对象.pptx
@@ -5,17 +5,17 @@
     <p:sldMasterId id="2147483648" r:id="rId1"/>
   </p:sldMasterIdLst>
   <p:notesMasterIdLst>
-    <p:notesMasterId r:id="rId10"/>
+    <p:notesMasterId r:id="rId5"/>
   </p:notesMasterIdLst>
   <p:sldIdLst>
-    <p:sldId id="1296" r:id="rId2"/>
-    <p:sldId id="1297" r:id="rId3"/>
-    <p:sldId id="1301" r:id="rId4"/>
-    <p:sldId id="1303" r:id="rId5"/>
-    <p:sldId id="1302" r:id="rId6"/>
-    <p:sldId id="1496" r:id="rId7"/>
-    <p:sldId id="1497" r:id="rId8"/>
-    <p:sldId id="1298" r:id="rId9"/>
+    <p:sldId id="1296" r:id="rId3"/>
+    <p:sldId id="1297" r:id="rId4"/>
+    <p:sldId id="1301" r:id="rId6"/>
+    <p:sldId id="1303" r:id="rId7"/>
+    <p:sldId id="1302" r:id="rId8"/>
+    <p:sldId id="1496" r:id="rId9"/>
+    <p:sldId id="1497" r:id="rId10"/>
+    <p:sldId id="1499" r:id="rId11"/>
   </p:sldIdLst>
   <p:sldSz cx="12192000" cy="6858000"/>
   <p:notesSz cx="6797675" cy="9928225"/>
@@ -334,6 +334,7 @@
               <a:rPr lang="zh-CN" altLang="zh-CN" noProof="0" smtClean="0"/>
               <a:t>                                                   </a:t>
             </a:r>
+            <a:endParaRPr lang="zh-CN" altLang="zh-CN" noProof="0" smtClean="0"/>
           </a:p>
           <a:p>
             <a:pPr lvl="1"/>
@@ -341,6 +342,7 @@
               <a:rPr lang="zh-CN" altLang="zh-CN" noProof="0" smtClean="0"/>
               <a:t>               </a:t>
             </a:r>
+            <a:endParaRPr lang="zh-CN" altLang="zh-CN" noProof="0" smtClean="0"/>
           </a:p>
           <a:p>
             <a:pPr lvl="2"/>
@@ -348,6 +350,7 @@
               <a:rPr lang="zh-CN" altLang="zh-CN" noProof="0" smtClean="0"/>
               <a:t>                </a:t>
             </a:r>
+            <a:endParaRPr lang="zh-CN" altLang="zh-CN" noProof="0" smtClean="0"/>
           </a:p>
           <a:p>
             <a:pPr lvl="3"/>
@@ -355,6 +358,7 @@
               <a:rPr lang="zh-CN" altLang="zh-CN" noProof="0" smtClean="0"/>
               <a:t>                </a:t>
             </a:r>
+            <a:endParaRPr lang="zh-CN" altLang="zh-CN" noProof="0" smtClean="0"/>
           </a:p>
           <a:p>
             <a:pPr lvl="4"/>
@@ -362,6 +366,7 @@
               <a:rPr lang="zh-CN" altLang="zh-CN" noProof="0" smtClean="0"/>
               <a:t>                </a:t>
             </a:r>
+            <a:endParaRPr lang="zh-CN" altLang="zh-CN" noProof="0" smtClean="0"/>
           </a:p>
         </p:txBody>
       </p:sp>
@@ -444,18 +449,12 @@
           <a:p>
             <a:fld id="{D9AFD278-84AA-4CAA-9049-809825956FE0}" type="slidenum">
               <a:rPr lang="en-US" altLang="zh-CN"/>
-              <a:t>‹#›</a:t>
             </a:fld>
             <a:endParaRPr lang="zh-CN" altLang="zh-CN"/>
           </a:p>
         </p:txBody>
       </p:sp>
     </p:spTree>
-    <p:extLst>
-      <p:ext uri="{BB962C8B-B14F-4D97-AF65-F5344CB8AC3E}">
-        <p14:creationId xmlns:p14="http://schemas.microsoft.com/office/powerpoint/2010/main" val="3273897469"/>
-      </p:ext>
-    </p:extLst>
   </p:cSld>
   <p:clrMap bg1="lt1" tx1="dk1" bg2="lt2" tx2="dk2" accent1="accent1" accent2="accent2" accent3="accent3" accent4="accent4" accent5="accent5" accent6="accent6" hlink="hlink" folHlink="folHlink"/>
   <p:notesStyle>
@@ -706,7 +705,6 @@
           <a:p>
             <a:fld id="{D9AFD278-84AA-4CAA-9049-809825956FE0}" type="slidenum">
               <a:rPr lang="en-US" altLang="zh-CN" smtClean="0"/>
-              <a:t>3</a:t>
             </a:fld>
             <a:endParaRPr lang="zh-CN" altLang="zh-CN"/>
           </a:p>
@@ -843,7 +841,6 @@
           <a:p>
             <a:fld id="{D9AFD278-84AA-4CAA-9049-809825956FE0}" type="slidenum">
               <a:rPr lang="en-US" altLang="zh-CN" smtClean="0"/>
-              <a:t>5</a:t>
             </a:fld>
             <a:endParaRPr lang="zh-CN" altLang="zh-CN"/>
           </a:p>
@@ -980,7 +977,6 @@
           <a:p>
             <a:fld id="{D9AFD278-84AA-4CAA-9049-809825956FE0}" type="slidenum">
               <a:rPr lang="en-US" altLang="zh-CN" smtClean="0"/>
-              <a:t>7</a:t>
             </a:fld>
             <a:endParaRPr lang="zh-CN" altLang="zh-CN"/>
           </a:p>
@@ -1064,6 +1060,7 @@
               <a:rPr lang="zh-CN" altLang="en-US" dirty="0" smtClean="0"/>
               <a:t>单击此处编辑母版文本样式</a:t>
             </a:r>
+            <a:endParaRPr lang="zh-CN" altLang="en-US" dirty="0" smtClean="0"/>
           </a:p>
           <a:p>
             <a:pPr lvl="1"/>
@@ -1071,6 +1068,7 @@
               <a:rPr lang="zh-CN" altLang="en-US" dirty="0" smtClean="0"/>
               <a:t>第二级</a:t>
             </a:r>
+            <a:endParaRPr lang="zh-CN" altLang="en-US" dirty="0" smtClean="0"/>
           </a:p>
           <a:p>
             <a:pPr lvl="2"/>
@@ -1078,6 +1076,7 @@
               <a:rPr lang="zh-CN" altLang="en-US" dirty="0" smtClean="0"/>
               <a:t>第三级</a:t>
             </a:r>
+            <a:endParaRPr lang="zh-CN" altLang="en-US" dirty="0" smtClean="0"/>
           </a:p>
           <a:p>
             <a:pPr lvl="3"/>
@@ -1085,6 +1084,7 @@
               <a:rPr lang="zh-CN" altLang="en-US" dirty="0" smtClean="0"/>
               <a:t>第四级</a:t>
             </a:r>
+            <a:endParaRPr lang="zh-CN" altLang="en-US" dirty="0" smtClean="0"/>
           </a:p>
         </p:txBody>
       </p:sp>
@@ -1146,6 +1146,7 @@
               <a:rPr lang="zh-CN" altLang="en-US" dirty="0" smtClean="0"/>
               <a:t>单击此处编辑母版文本样式</a:t>
             </a:r>
+            <a:endParaRPr lang="zh-CN" altLang="en-US" dirty="0" smtClean="0"/>
           </a:p>
         </p:txBody>
       </p:sp>
@@ -1202,7 +1203,6 @@
           <a:p>
             <a:fld id="{2030C94F-1E7C-47E3-9C60-176A530B03BF}" type="slidenum">
               <a:rPr lang="en-US" altLang="zh-CN"/>
-              <a:t>‹#›</a:t>
             </a:fld>
             <a:endParaRPr lang="zh-CN" altLang="zh-CN" sz="3200" b="0"/>
           </a:p>
@@ -1293,6 +1293,7 @@
               <a:rPr lang="zh-CN" altLang="en-US" dirty="0" smtClean="0"/>
               <a:t>单击此处编辑母版文本样式</a:t>
             </a:r>
+            <a:endParaRPr lang="zh-CN" altLang="en-US" dirty="0" smtClean="0"/>
           </a:p>
           <a:p>
             <a:pPr lvl="1"/>
@@ -1300,6 +1301,7 @@
               <a:rPr lang="zh-CN" altLang="en-US" dirty="0" smtClean="0"/>
               <a:t>第二级</a:t>
             </a:r>
+            <a:endParaRPr lang="zh-CN" altLang="en-US" dirty="0" smtClean="0"/>
           </a:p>
           <a:p>
             <a:pPr lvl="2"/>
@@ -1307,6 +1309,7 @@
               <a:rPr lang="zh-CN" altLang="en-US" dirty="0" smtClean="0"/>
               <a:t>第三级</a:t>
             </a:r>
+            <a:endParaRPr lang="zh-CN" altLang="en-US" dirty="0" smtClean="0"/>
           </a:p>
           <a:p>
             <a:pPr lvl="3"/>
@@ -1314,6 +1317,7 @@
               <a:rPr lang="zh-CN" altLang="en-US" dirty="0" smtClean="0"/>
               <a:t>第四级</a:t>
             </a:r>
+            <a:endParaRPr lang="zh-CN" altLang="en-US" dirty="0" smtClean="0"/>
           </a:p>
         </p:txBody>
       </p:sp>
@@ -1371,6 +1375,7 @@
               <a:rPr lang="zh-CN" altLang="en-US" dirty="0" smtClean="0"/>
               <a:t>单击此处编辑母版文本样式</a:t>
             </a:r>
+            <a:endParaRPr lang="zh-CN" altLang="en-US" dirty="0" smtClean="0"/>
           </a:p>
         </p:txBody>
       </p:sp>
@@ -1452,6 +1457,7 @@
               <a:rPr lang="zh-CN" altLang="en-US" dirty="0" smtClean="0"/>
               <a:t>单击此处编辑母版文本样式</a:t>
             </a:r>
+            <a:endParaRPr lang="zh-CN" altLang="en-US" dirty="0" smtClean="0"/>
           </a:p>
           <a:p>
             <a:pPr lvl="1"/>
@@ -1459,6 +1465,7 @@
               <a:rPr lang="zh-CN" altLang="en-US" dirty="0" smtClean="0"/>
               <a:t>第二级</a:t>
             </a:r>
+            <a:endParaRPr lang="zh-CN" altLang="en-US" dirty="0" smtClean="0"/>
           </a:p>
           <a:p>
             <a:pPr lvl="2"/>
@@ -1466,6 +1473,7 @@
               <a:rPr lang="zh-CN" altLang="en-US" dirty="0" smtClean="0"/>
               <a:t>第三级</a:t>
             </a:r>
+            <a:endParaRPr lang="zh-CN" altLang="en-US" dirty="0" smtClean="0"/>
           </a:p>
           <a:p>
             <a:pPr lvl="3"/>
@@ -1473,6 +1481,7 @@
               <a:rPr lang="zh-CN" altLang="en-US" dirty="0" smtClean="0"/>
               <a:t>第四级</a:t>
             </a:r>
+            <a:endParaRPr lang="zh-CN" altLang="en-US" dirty="0" smtClean="0"/>
           </a:p>
         </p:txBody>
       </p:sp>
@@ -1530,6 +1539,7 @@
               <a:rPr lang="zh-CN" altLang="en-US" dirty="0" smtClean="0"/>
               <a:t>单击此处编辑母版文本样式</a:t>
             </a:r>
+            <a:endParaRPr lang="zh-CN" altLang="en-US" dirty="0" smtClean="0"/>
           </a:p>
         </p:txBody>
       </p:sp>
@@ -1611,6 +1621,7 @@
               <a:rPr lang="zh-CN" altLang="en-US" dirty="0" smtClean="0"/>
               <a:t>单击此处编辑母版文本样式</a:t>
             </a:r>
+            <a:endParaRPr lang="zh-CN" altLang="en-US" dirty="0" smtClean="0"/>
           </a:p>
           <a:p>
             <a:pPr lvl="1"/>
@@ -1618,6 +1629,7 @@
               <a:rPr lang="zh-CN" altLang="en-US" dirty="0" smtClean="0"/>
               <a:t>第二级</a:t>
             </a:r>
+            <a:endParaRPr lang="zh-CN" altLang="en-US" dirty="0" smtClean="0"/>
           </a:p>
           <a:p>
             <a:pPr lvl="2"/>
@@ -1625,6 +1637,7 @@
               <a:rPr lang="zh-CN" altLang="en-US" dirty="0" smtClean="0"/>
               <a:t>第三级</a:t>
             </a:r>
+            <a:endParaRPr lang="zh-CN" altLang="en-US" dirty="0" smtClean="0"/>
           </a:p>
           <a:p>
             <a:pPr lvl="3"/>
@@ -1632,6 +1645,7 @@
               <a:rPr lang="zh-CN" altLang="en-US" dirty="0" smtClean="0"/>
               <a:t>第四级</a:t>
             </a:r>
+            <a:endParaRPr lang="zh-CN" altLang="en-US" dirty="0" smtClean="0"/>
           </a:p>
         </p:txBody>
       </p:sp>
@@ -1689,6 +1703,7 @@
               <a:rPr lang="zh-CN" altLang="en-US" dirty="0" smtClean="0"/>
               <a:t>单击此处编辑母版文本样式</a:t>
             </a:r>
+            <a:endParaRPr lang="zh-CN" altLang="en-US" dirty="0" smtClean="0"/>
           </a:p>
         </p:txBody>
       </p:sp>
@@ -1770,6 +1785,7 @@
               <a:rPr lang="zh-CN" altLang="en-US" dirty="0" smtClean="0"/>
               <a:t>单击此处编辑母版文本样式</a:t>
             </a:r>
+            <a:endParaRPr lang="zh-CN" altLang="en-US" dirty="0" smtClean="0"/>
           </a:p>
           <a:p>
             <a:pPr lvl="1"/>
@@ -1777,6 +1793,7 @@
               <a:rPr lang="zh-CN" altLang="en-US" dirty="0" smtClean="0"/>
               <a:t>第二级</a:t>
             </a:r>
+            <a:endParaRPr lang="zh-CN" altLang="en-US" dirty="0" smtClean="0"/>
           </a:p>
           <a:p>
             <a:pPr lvl="2"/>
@@ -1784,6 +1801,7 @@
               <a:rPr lang="zh-CN" altLang="en-US" dirty="0" smtClean="0"/>
               <a:t>第三级</a:t>
             </a:r>
+            <a:endParaRPr lang="zh-CN" altLang="en-US" dirty="0" smtClean="0"/>
           </a:p>
           <a:p>
             <a:pPr lvl="3"/>
@@ -1791,6 +1809,7 @@
               <a:rPr lang="zh-CN" altLang="en-US" dirty="0" smtClean="0"/>
               <a:t>第四级</a:t>
             </a:r>
+            <a:endParaRPr lang="zh-CN" altLang="en-US" dirty="0" smtClean="0"/>
           </a:p>
         </p:txBody>
       </p:sp>
@@ -1848,6 +1867,7 @@
               <a:rPr lang="zh-CN" altLang="en-US" dirty="0" smtClean="0"/>
               <a:t>单击此处编辑母版文本样式</a:t>
             </a:r>
+            <a:endParaRPr lang="zh-CN" altLang="en-US" dirty="0" smtClean="0"/>
           </a:p>
         </p:txBody>
       </p:sp>
@@ -1929,6 +1949,7 @@
               <a:rPr lang="zh-CN" altLang="en-US" dirty="0" smtClean="0"/>
               <a:t>单击此处编辑母版文本样式</a:t>
             </a:r>
+            <a:endParaRPr lang="zh-CN" altLang="en-US" dirty="0" smtClean="0"/>
           </a:p>
           <a:p>
             <a:pPr lvl="1"/>
@@ -1936,6 +1957,7 @@
               <a:rPr lang="zh-CN" altLang="en-US" dirty="0" smtClean="0"/>
               <a:t>第二级</a:t>
             </a:r>
+            <a:endParaRPr lang="zh-CN" altLang="en-US" dirty="0" smtClean="0"/>
           </a:p>
           <a:p>
             <a:pPr lvl="2"/>
@@ -1943,6 +1965,7 @@
               <a:rPr lang="zh-CN" altLang="en-US" dirty="0" smtClean="0"/>
               <a:t>第三级</a:t>
             </a:r>
+            <a:endParaRPr lang="zh-CN" altLang="en-US" dirty="0" smtClean="0"/>
           </a:p>
           <a:p>
             <a:pPr lvl="3"/>
@@ -1950,6 +1973,7 @@
               <a:rPr lang="zh-CN" altLang="en-US" dirty="0" smtClean="0"/>
               <a:t>第四级</a:t>
             </a:r>
+            <a:endParaRPr lang="zh-CN" altLang="en-US" dirty="0" smtClean="0"/>
           </a:p>
         </p:txBody>
       </p:sp>
@@ -2007,6 +2031,7 @@
               <a:rPr lang="zh-CN" altLang="en-US" dirty="0" smtClean="0"/>
               <a:t>单击此处编辑母版文本样式</a:t>
             </a:r>
+            <a:endParaRPr lang="zh-CN" altLang="en-US" dirty="0" smtClean="0"/>
           </a:p>
         </p:txBody>
       </p:sp>
@@ -2088,6 +2113,7 @@
               <a:rPr lang="zh-CN" altLang="en-US" dirty="0" smtClean="0"/>
               <a:t>单击此处编辑母版文本样式</a:t>
             </a:r>
+            <a:endParaRPr lang="zh-CN" altLang="en-US" dirty="0" smtClean="0"/>
           </a:p>
           <a:p>
             <a:pPr lvl="1"/>
@@ -2095,6 +2121,7 @@
               <a:rPr lang="zh-CN" altLang="en-US" dirty="0" smtClean="0"/>
               <a:t>第二级</a:t>
             </a:r>
+            <a:endParaRPr lang="zh-CN" altLang="en-US" dirty="0" smtClean="0"/>
           </a:p>
           <a:p>
             <a:pPr lvl="2"/>
@@ -2102,6 +2129,7 @@
               <a:rPr lang="zh-CN" altLang="en-US" dirty="0" smtClean="0"/>
               <a:t>第三级</a:t>
             </a:r>
+            <a:endParaRPr lang="zh-CN" altLang="en-US" dirty="0" smtClean="0"/>
           </a:p>
           <a:p>
             <a:pPr lvl="3"/>
@@ -2109,6 +2137,7 @@
               <a:rPr lang="zh-CN" altLang="en-US" dirty="0" smtClean="0"/>
               <a:t>第四级</a:t>
             </a:r>
+            <a:endParaRPr lang="zh-CN" altLang="en-US" dirty="0" smtClean="0"/>
           </a:p>
         </p:txBody>
       </p:sp>
@@ -2166,6 +2195,7 @@
               <a:rPr lang="zh-CN" altLang="en-US" dirty="0" smtClean="0"/>
               <a:t>单击此处编辑母版文本样式</a:t>
             </a:r>
+            <a:endParaRPr lang="zh-CN" altLang="en-US" dirty="0" smtClean="0"/>
           </a:p>
         </p:txBody>
       </p:sp>
@@ -2183,7 +2213,7 @@
     <p:bg bwMode="auto">
       <p:bgPr>
         <a:blipFill dpi="0" rotWithShape="0">
-          <a:blip r:embed="rId10"/>
+          <a:blip r:embed="rId9"/>
           <a:srcRect/>
           <a:stretch>
             <a:fillRect/>
@@ -2242,7 +2272,6 @@
           <a:p>
             <a:fld id="{43A45880-9E2A-43E4-955C-AEB11E14255E}" type="slidenum">
               <a:rPr lang="en-US" altLang="zh-CN"/>
-              <a:t>‹#›</a:t>
             </a:fld>
             <a:endParaRPr lang="zh-CN" altLang="zh-CN"/>
           </a:p>
@@ -2257,7 +2286,7 @@
           <p:nvPr/>
         </p:nvPicPr>
         <p:blipFill>
-          <a:blip r:embed="rId11">
+          <a:blip r:embed="rId10">
             <a:extLst>
               <a:ext uri="{28A0092B-C50C-407E-A947-70E740481C1C}">
                 <a14:useLocalDpi xmlns:a14="http://schemas.microsoft.com/office/drawing/2010/main" val="0"/>
@@ -2311,7 +2340,7 @@
           <p:nvPr/>
         </p:nvPicPr>
         <p:blipFill>
-          <a:blip r:embed="rId12">
+          <a:blip r:embed="rId11">
             <a:extLst>
               <a:ext uri="{28A0092B-C50C-407E-A947-70E740481C1C}">
                 <a14:useLocalDpi xmlns:a14="http://schemas.microsoft.com/office/drawing/2010/main" val="0"/>
@@ -2823,7 +2852,7 @@
           <p:nvPr/>
         </p:nvPicPr>
         <p:blipFill>
-          <a:blip r:embed="rId2">
+          <a:blip r:embed="rId1">
             <a:extLst>
               <a:ext uri="{28A0092B-C50C-407E-A947-70E740481C1C}">
                 <a14:useLocalDpi xmlns:a14="http://schemas.microsoft.com/office/drawing/2010/main" val="0"/>
@@ -3117,7 +3146,7 @@
           <p:nvPr/>
         </p:nvPicPr>
         <p:blipFill>
-          <a:blip r:embed="rId3">
+          <a:blip r:embed="rId2">
             <a:extLst>
               <a:ext uri="{28A0092B-C50C-407E-A947-70E740481C1C}">
                 <a14:useLocalDpi xmlns:a14="http://schemas.microsoft.com/office/drawing/2010/main" val="0"/>
@@ -3366,6 +3395,12 @@
               </a:rPr>
               <a:t>函数对象</a:t>
             </a:r>
+            <a:endParaRPr lang="zh-CN" altLang="en-US" sz="2800" b="1">
+              <a:solidFill>
+                <a:srgbClr val="FF0000"/>
+              </a:solidFill>
+              <a:sym typeface="+mn-ea"/>
+            </a:endParaRPr>
           </a:p>
           <a:p>
             <a:pPr algn="l">
@@ -3393,6 +3428,12 @@
               </a:rPr>
               <a:t>函数对象的属性及方法</a:t>
             </a:r>
+            <a:endParaRPr lang="zh-CN" altLang="en-US" sz="2800" b="1">
+              <a:solidFill>
+                <a:schemeClr val="tx1"/>
+              </a:solidFill>
+              <a:sym typeface="+mn-ea"/>
+            </a:endParaRPr>
           </a:p>
           <a:p>
             <a:pPr algn="l">
@@ -3415,6 +3456,7 @@
               <a:rPr lang="zh-CN" altLang="en-US" sz="2800" b="1"/>
               <a:t>高阶函数</a:t>
             </a:r>
+            <a:endParaRPr lang="zh-CN" altLang="en-US" sz="2800" b="1"/>
           </a:p>
         </p:txBody>
       </p:sp>
@@ -3740,15 +3782,6 @@
               </a:rPr>
               <a:t>中的函数也是对象</a:t>
             </a:r>
-            <a:r>
-              <a:rPr lang="zh-CN" altLang="en-US" sz="2000" dirty="0" smtClean="0">
-                <a:solidFill>
-                  <a:srgbClr val="000000"/>
-                </a:solidFill>
-                <a:sym typeface="+mn-ea"/>
-              </a:rPr>
-              <a:t/>
-            </a:r>
             <a:br>
               <a:rPr lang="zh-CN" altLang="en-US" sz="2000" dirty="0" smtClean="0">
                 <a:solidFill>
@@ -3802,15 +3835,6 @@
               </a:rPr>
               <a:t>（既有属性也有方法）</a:t>
             </a:r>
-            <a:r>
-              <a:rPr lang="zh-CN" altLang="en-US" sz="2000" dirty="0" smtClean="0">
-                <a:solidFill>
-                  <a:srgbClr val="000000"/>
-                </a:solidFill>
-                <a:sym typeface="+mn-ea"/>
-              </a:rPr>
-              <a:t/>
-            </a:r>
             <a:br>
               <a:rPr lang="zh-CN" altLang="en-US" sz="2000" dirty="0" smtClean="0">
                 <a:solidFill>
@@ -4122,14 +4146,6 @@
               </a:rPr>
               <a:t>）</a:t>
             </a:r>
-            <a:r>
-              <a:rPr kumimoji="0" lang="zh-CN" altLang="en-US" sz="2000" dirty="0" smtClean="0">
-                <a:solidFill>
-                  <a:schemeClr val="tx1"/>
-                </a:solidFill>
-              </a:rPr>
-              <a:t/>
-            </a:r>
             <a:br>
               <a:rPr kumimoji="0" lang="zh-CN" altLang="en-US" sz="2000" dirty="0" smtClean="0">
                 <a:solidFill>
@@ -4137,14 +4153,6 @@
                 </a:solidFill>
               </a:rPr>
             </a:br>
-            <a:r>
-              <a:rPr kumimoji="0" lang="zh-CN" altLang="en-US" sz="2000" dirty="0" smtClean="0">
-                <a:solidFill>
-                  <a:schemeClr val="tx1"/>
-                </a:solidFill>
-              </a:rPr>
-              <a:t/>
-            </a:r>
             <a:br>
               <a:rPr kumimoji="0" lang="zh-CN" altLang="en-US" sz="2000" dirty="0" smtClean="0">
                 <a:solidFill>
@@ -4152,14 +4160,6 @@
                 </a:solidFill>
               </a:rPr>
             </a:br>
-            <a:r>
-              <a:rPr kumimoji="0" lang="zh-CN" altLang="en-US" sz="2000" dirty="0" smtClean="0">
-                <a:solidFill>
-                  <a:schemeClr val="tx1"/>
-                </a:solidFill>
-              </a:rPr>
-              <a:t/>
-            </a:r>
             <a:br>
               <a:rPr kumimoji="0" lang="zh-CN" altLang="en-US" sz="2000" dirty="0" smtClean="0">
                 <a:solidFill>
@@ -4167,14 +4167,6 @@
                 </a:solidFill>
               </a:rPr>
             </a:br>
-            <a:r>
-              <a:rPr kumimoji="0" lang="zh-CN" altLang="en-US" sz="2000" dirty="0" smtClean="0">
-                <a:solidFill>
-                  <a:schemeClr val="tx1"/>
-                </a:solidFill>
-              </a:rPr>
-              <a:t/>
-            </a:r>
             <a:br>
               <a:rPr kumimoji="0" lang="zh-CN" altLang="en-US" sz="2000" dirty="0" smtClean="0">
                 <a:solidFill>
@@ -4182,14 +4174,6 @@
                 </a:solidFill>
               </a:rPr>
             </a:br>
-            <a:r>
-              <a:rPr kumimoji="0" lang="zh-CN" altLang="en-US" sz="2000" dirty="0" smtClean="0">
-                <a:solidFill>
-                  <a:schemeClr val="tx1"/>
-                </a:solidFill>
-              </a:rPr>
-              <a:t/>
-            </a:r>
             <a:br>
               <a:rPr kumimoji="0" lang="zh-CN" altLang="en-US" sz="2000" dirty="0" smtClean="0">
                 <a:solidFill>
@@ -4197,14 +4181,6 @@
                 </a:solidFill>
               </a:rPr>
             </a:br>
-            <a:r>
-              <a:rPr kumimoji="0" lang="zh-CN" altLang="en-US" sz="2000" dirty="0" smtClean="0">
-                <a:solidFill>
-                  <a:schemeClr val="tx1"/>
-                </a:solidFill>
-              </a:rPr>
-              <a:t/>
-            </a:r>
             <a:br>
               <a:rPr kumimoji="0" lang="zh-CN" altLang="en-US" sz="2000" dirty="0" smtClean="0">
                 <a:solidFill>
@@ -4212,14 +4188,6 @@
                 </a:solidFill>
               </a:rPr>
             </a:br>
-            <a:r>
-              <a:rPr kumimoji="0" lang="zh-CN" altLang="en-US" sz="2000" dirty="0" smtClean="0">
-                <a:solidFill>
-                  <a:schemeClr val="tx1"/>
-                </a:solidFill>
-              </a:rPr>
-              <a:t/>
-            </a:r>
             <a:br>
               <a:rPr kumimoji="0" lang="zh-CN" altLang="en-US" sz="2000" dirty="0" smtClean="0">
                 <a:solidFill>
@@ -4227,14 +4195,6 @@
                 </a:solidFill>
               </a:rPr>
             </a:br>
-            <a:r>
-              <a:rPr kumimoji="0" lang="zh-CN" altLang="en-US" sz="2000" dirty="0" smtClean="0">
-                <a:solidFill>
-                  <a:schemeClr val="tx1"/>
-                </a:solidFill>
-              </a:rPr>
-              <a:t/>
-            </a:r>
             <a:br>
               <a:rPr kumimoji="0" lang="zh-CN" altLang="en-US" sz="2000" dirty="0" smtClean="0">
                 <a:solidFill>
@@ -4298,6 +4258,7 @@
               <a:rPr kumimoji="0" lang="zh-CN" altLang="en-US" dirty="0"/>
               <a:t>函数对象介绍</a:t>
             </a:r>
+            <a:endParaRPr kumimoji="0" lang="zh-CN" altLang="en-US" dirty="0"/>
           </a:p>
         </p:txBody>
       </p:sp>
@@ -4310,7 +4271,7 @@
           <p:nvPr/>
         </p:nvPicPr>
         <p:blipFill>
-          <a:blip r:embed="rId3"/>
+          <a:blip r:embed="rId1"/>
           <a:stretch>
             <a:fillRect/>
           </a:stretch>
@@ -4883,6 +4844,12 @@
               </a:rPr>
               <a:t>函数对象</a:t>
             </a:r>
+            <a:endParaRPr lang="zh-CN" altLang="en-US" sz="2800" b="1">
+              <a:solidFill>
+                <a:schemeClr val="tx1"/>
+              </a:solidFill>
+              <a:sym typeface="+mn-ea"/>
+            </a:endParaRPr>
           </a:p>
           <a:p>
             <a:pPr algn="l">
@@ -4910,6 +4877,12 @@
               </a:rPr>
               <a:t>函数对象的属性及方法</a:t>
             </a:r>
+            <a:endParaRPr lang="zh-CN" altLang="en-US" sz="2800" b="1">
+              <a:solidFill>
+                <a:schemeClr val="accent3"/>
+              </a:solidFill>
+              <a:sym typeface="+mn-ea"/>
+            </a:endParaRPr>
           </a:p>
           <a:p>
             <a:pPr algn="l">
@@ -4937,6 +4910,12 @@
               </a:rPr>
               <a:t>高阶函数</a:t>
             </a:r>
+            <a:endParaRPr lang="zh-CN" altLang="en-US" sz="2800" b="1">
+              <a:solidFill>
+                <a:schemeClr val="tx1"/>
+              </a:solidFill>
+              <a:sym typeface="+mn-ea"/>
+            </a:endParaRPr>
           </a:p>
         </p:txBody>
       </p:sp>
@@ -5244,15 +5223,6 @@
               </a:rPr>
               <a:t>函数对象的属性</a:t>
             </a:r>
-            <a:r>
-              <a:rPr lang="zh-CN" altLang="en-US" sz="2000" dirty="0" smtClean="0">
-                <a:solidFill>
-                  <a:srgbClr val="000000"/>
-                </a:solidFill>
-                <a:sym typeface="+mn-ea"/>
-              </a:rPr>
-              <a:t/>
-            </a:r>
             <a:br>
               <a:rPr lang="zh-CN" altLang="en-US" sz="2000" dirty="0" smtClean="0">
                 <a:solidFill>
@@ -5297,15 +5267,6 @@
               </a:rPr>
               <a:t>（隐藏的局部变量）</a:t>
             </a:r>
-            <a:r>
-              <a:rPr lang="en-US" altLang="zh-CN" sz="2000" dirty="0" smtClean="0">
-                <a:solidFill>
-                  <a:srgbClr val="000000"/>
-                </a:solidFill>
-                <a:sym typeface="+mn-ea"/>
-              </a:rPr>
-              <a:t/>
-            </a:r>
             <a:br>
               <a:rPr lang="en-US" altLang="zh-CN" sz="2000" dirty="0" smtClean="0">
                 <a:solidFill>
@@ -5368,15 +5329,6 @@
               </a:rPr>
               <a:t>的属性，常用于递归调用）</a:t>
             </a:r>
-            <a:r>
-              <a:rPr lang="en-US" altLang="zh-CN" sz="2000" dirty="0" smtClean="0">
-                <a:solidFill>
-                  <a:srgbClr val="000000"/>
-                </a:solidFill>
-                <a:sym typeface="+mn-ea"/>
-              </a:rPr>
-              <a:t/>
-            </a:r>
             <a:br>
               <a:rPr lang="en-US" altLang="zh-CN" sz="2000" dirty="0" smtClean="0">
                 <a:solidFill>
@@ -5412,6 +5364,12 @@
               </a:rPr>
               <a:t>prototype</a:t>
             </a:r>
+            <a:endParaRPr lang="en-US" altLang="zh-CN" sz="2000" dirty="0" smtClean="0">
+              <a:solidFill>
+                <a:srgbClr val="000000"/>
+              </a:solidFill>
+              <a:sym typeface="+mn-ea"/>
+            </a:endParaRPr>
           </a:p>
           <a:p>
             <a:pPr>
@@ -5428,15 +5386,6 @@
               </a:rPr>
               <a:t>函数对象的方法</a:t>
             </a:r>
-            <a:r>
-              <a:rPr lang="zh-CN" altLang="en-US" sz="2000" dirty="0" smtClean="0">
-                <a:solidFill>
-                  <a:srgbClr val="000000"/>
-                </a:solidFill>
-                <a:sym typeface="+mn-ea"/>
-              </a:rPr>
-              <a:t/>
-            </a:r>
             <a:br>
               <a:rPr lang="zh-CN" altLang="en-US" sz="2000" dirty="0" smtClean="0">
                 <a:solidFill>
@@ -5541,14 +5490,6 @@
                 <a:sym typeface="+mn-ea"/>
               </a:rPr>
             </a:br>
-            <a:r>
-              <a:rPr kumimoji="0" lang="zh-CN" altLang="en-US" sz="2000" dirty="0" smtClean="0">
-                <a:solidFill>
-                  <a:schemeClr val="tx1"/>
-                </a:solidFill>
-              </a:rPr>
-              <a:t/>
-            </a:r>
             <a:br>
               <a:rPr kumimoji="0" lang="zh-CN" altLang="en-US" sz="2000" dirty="0" smtClean="0">
                 <a:solidFill>
@@ -5556,14 +5497,6 @@
                 </a:solidFill>
               </a:rPr>
             </a:br>
-            <a:r>
-              <a:rPr kumimoji="0" lang="zh-CN" altLang="en-US" sz="2000" dirty="0" smtClean="0">
-                <a:solidFill>
-                  <a:schemeClr val="tx1"/>
-                </a:solidFill>
-              </a:rPr>
-              <a:t/>
-            </a:r>
             <a:br>
               <a:rPr kumimoji="0" lang="zh-CN" altLang="en-US" sz="2000" dirty="0" smtClean="0">
                 <a:solidFill>
@@ -5571,14 +5504,6 @@
                 </a:solidFill>
               </a:rPr>
             </a:br>
-            <a:r>
-              <a:rPr kumimoji="0" lang="zh-CN" altLang="en-US" sz="2000" dirty="0" smtClean="0">
-                <a:solidFill>
-                  <a:schemeClr val="tx1"/>
-                </a:solidFill>
-              </a:rPr>
-              <a:t/>
-            </a:r>
             <a:br>
               <a:rPr kumimoji="0" lang="zh-CN" altLang="en-US" sz="2000" dirty="0" smtClean="0">
                 <a:solidFill>
@@ -5586,14 +5511,6 @@
                 </a:solidFill>
               </a:rPr>
             </a:br>
-            <a:r>
-              <a:rPr kumimoji="0" lang="zh-CN" altLang="en-US" sz="2000" dirty="0" smtClean="0">
-                <a:solidFill>
-                  <a:schemeClr val="tx1"/>
-                </a:solidFill>
-              </a:rPr>
-              <a:t/>
-            </a:r>
             <a:br>
               <a:rPr kumimoji="0" lang="zh-CN" altLang="en-US" sz="2000" dirty="0" smtClean="0">
                 <a:solidFill>
@@ -5601,14 +5518,6 @@
                 </a:solidFill>
               </a:rPr>
             </a:br>
-            <a:r>
-              <a:rPr kumimoji="0" lang="zh-CN" altLang="en-US" sz="2000" dirty="0" smtClean="0">
-                <a:solidFill>
-                  <a:schemeClr val="tx1"/>
-                </a:solidFill>
-              </a:rPr>
-              <a:t/>
-            </a:r>
             <a:br>
               <a:rPr kumimoji="0" lang="zh-CN" altLang="en-US" sz="2000" dirty="0" smtClean="0">
                 <a:solidFill>
@@ -5616,14 +5525,6 @@
                 </a:solidFill>
               </a:rPr>
             </a:br>
-            <a:r>
-              <a:rPr kumimoji="0" lang="zh-CN" altLang="en-US" sz="2000" dirty="0" smtClean="0">
-                <a:solidFill>
-                  <a:schemeClr val="tx1"/>
-                </a:solidFill>
-              </a:rPr>
-              <a:t/>
-            </a:r>
             <a:br>
               <a:rPr kumimoji="0" lang="zh-CN" altLang="en-US" sz="2000" dirty="0" smtClean="0">
                 <a:solidFill>
@@ -5631,14 +5532,6 @@
                 </a:solidFill>
               </a:rPr>
             </a:br>
-            <a:r>
-              <a:rPr kumimoji="0" lang="zh-CN" altLang="en-US" sz="2000" dirty="0" smtClean="0">
-                <a:solidFill>
-                  <a:schemeClr val="tx1"/>
-                </a:solidFill>
-              </a:rPr>
-              <a:t/>
-            </a:r>
             <a:br>
               <a:rPr kumimoji="0" lang="zh-CN" altLang="en-US" sz="2000" dirty="0" smtClean="0">
                 <a:solidFill>
@@ -5646,14 +5539,6 @@
                 </a:solidFill>
               </a:rPr>
             </a:br>
-            <a:r>
-              <a:rPr kumimoji="0" lang="zh-CN" altLang="en-US" sz="2000" dirty="0" smtClean="0">
-                <a:solidFill>
-                  <a:schemeClr val="tx1"/>
-                </a:solidFill>
-              </a:rPr>
-              <a:t/>
-            </a:r>
             <a:br>
               <a:rPr kumimoji="0" lang="zh-CN" altLang="en-US" sz="2000" dirty="0" smtClean="0">
                 <a:solidFill>
@@ -5717,6 +5602,7 @@
               <a:rPr kumimoji="0" lang="zh-CN" altLang="en-US" dirty="0"/>
               <a:t>函数对象的属性及方法</a:t>
             </a:r>
+            <a:endParaRPr kumimoji="0" lang="zh-CN" altLang="en-US" dirty="0"/>
           </a:p>
         </p:txBody>
       </p:sp>
@@ -5773,6 +5659,13 @@
               </a:rPr>
               <a:t>函数对象属性综述</a:t>
             </a:r>
+            <a:endParaRPr lang="zh-CN" altLang="en-US" sz="2200">
+              <a:solidFill>
+                <a:srgbClr val="FF0000"/>
+              </a:solidFill>
+              <a:latin typeface="+mn-ea"/>
+              <a:ea typeface="+mn-ea"/>
+            </a:endParaRPr>
           </a:p>
         </p:txBody>
       </p:sp>
@@ -5839,6 +5732,13 @@
               </a:rPr>
               <a:t>函数对象方法综述</a:t>
             </a:r>
+            <a:endParaRPr lang="zh-CN" altLang="en-US" sz="2200">
+              <a:solidFill>
+                <a:srgbClr val="FF0000"/>
+              </a:solidFill>
+              <a:latin typeface="+mn-ea"/>
+              <a:ea typeface="+mn-ea"/>
+            </a:endParaRPr>
           </a:p>
         </p:txBody>
       </p:sp>
@@ -6442,6 +6342,12 @@
               </a:rPr>
               <a:t>函数对象</a:t>
             </a:r>
+            <a:endParaRPr lang="zh-CN" altLang="en-US" sz="2800" b="1">
+              <a:solidFill>
+                <a:schemeClr val="tx1"/>
+              </a:solidFill>
+              <a:sym typeface="+mn-ea"/>
+            </a:endParaRPr>
           </a:p>
           <a:p>
             <a:pPr algn="l">
@@ -6469,6 +6375,12 @@
               </a:rPr>
               <a:t>函数对象的属性及方法</a:t>
             </a:r>
+            <a:endParaRPr lang="zh-CN" altLang="en-US" sz="2800" b="1">
+              <a:solidFill>
+                <a:schemeClr val="tx1"/>
+              </a:solidFill>
+              <a:sym typeface="+mn-ea"/>
+            </a:endParaRPr>
           </a:p>
           <a:p>
             <a:pPr algn="l">
@@ -6496,6 +6408,12 @@
               </a:rPr>
               <a:t>高阶函数</a:t>
             </a:r>
+            <a:endParaRPr lang="zh-CN" altLang="en-US" sz="2800" b="1">
+              <a:solidFill>
+                <a:srgbClr val="FF0000"/>
+              </a:solidFill>
+              <a:sym typeface="+mn-ea"/>
+            </a:endParaRPr>
           </a:p>
         </p:txBody>
       </p:sp>
@@ -6803,15 +6721,6 @@
               </a:rPr>
               <a:t>高阶函数是指至少满足下列条件之一的函数</a:t>
             </a:r>
-            <a:r>
-              <a:rPr lang="zh-CN" altLang="en-US" sz="2000" dirty="0" smtClean="0">
-                <a:solidFill>
-                  <a:srgbClr val="000000"/>
-                </a:solidFill>
-                <a:sym typeface="+mn-ea"/>
-              </a:rPr>
-              <a:t/>
-            </a:r>
             <a:br>
               <a:rPr lang="zh-CN" altLang="en-US" sz="2000" dirty="0" smtClean="0">
                 <a:solidFill>
@@ -6856,15 +6765,6 @@
               </a:rPr>
               <a:t>（最常见的形式：回调函数）</a:t>
             </a:r>
-            <a:r>
-              <a:rPr lang="en-US" altLang="zh-CN" sz="2000" dirty="0" smtClean="0">
-                <a:solidFill>
-                  <a:srgbClr val="000000"/>
-                </a:solidFill>
-                <a:sym typeface="+mn-ea"/>
-              </a:rPr>
-              <a:t/>
-            </a:r>
             <a:br>
               <a:rPr lang="en-US" altLang="zh-CN" sz="2000" dirty="0" smtClean="0">
                 <a:solidFill>
@@ -6909,15 +6809,6 @@
               </a:rPr>
               <a:t>（与闭包有紧密联系）</a:t>
             </a:r>
-            <a:r>
-              <a:rPr lang="en-US" altLang="zh-CN" sz="2000" dirty="0" smtClean="0">
-                <a:solidFill>
-                  <a:srgbClr val="000000"/>
-                </a:solidFill>
-                <a:sym typeface="+mn-ea"/>
-              </a:rPr>
-              <a:t/>
-            </a:r>
             <a:br>
               <a:rPr lang="en-US" altLang="zh-CN" sz="2000" dirty="0" smtClean="0">
                 <a:solidFill>
@@ -6926,14 +6817,6 @@
                 <a:sym typeface="+mn-ea"/>
               </a:rPr>
             </a:br>
-            <a:r>
-              <a:rPr kumimoji="0" lang="zh-CN" altLang="en-US" sz="2000" dirty="0" smtClean="0">
-                <a:solidFill>
-                  <a:schemeClr val="tx1"/>
-                </a:solidFill>
-              </a:rPr>
-              <a:t/>
-            </a:r>
             <a:br>
               <a:rPr kumimoji="0" lang="zh-CN" altLang="en-US" sz="2000" dirty="0" smtClean="0">
                 <a:solidFill>
@@ -6941,14 +6824,6 @@
                 </a:solidFill>
               </a:rPr>
             </a:br>
-            <a:r>
-              <a:rPr kumimoji="0" lang="zh-CN" altLang="en-US" sz="2000" dirty="0" smtClean="0">
-                <a:solidFill>
-                  <a:schemeClr val="tx1"/>
-                </a:solidFill>
-              </a:rPr>
-              <a:t/>
-            </a:r>
             <a:br>
               <a:rPr kumimoji="0" lang="zh-CN" altLang="en-US" sz="2000" dirty="0" smtClean="0">
                 <a:solidFill>
@@ -6956,14 +6831,6 @@
                 </a:solidFill>
               </a:rPr>
             </a:br>
-            <a:r>
-              <a:rPr kumimoji="0" lang="zh-CN" altLang="en-US" sz="2000" dirty="0" smtClean="0">
-                <a:solidFill>
-                  <a:schemeClr val="tx1"/>
-                </a:solidFill>
-              </a:rPr>
-              <a:t/>
-            </a:r>
             <a:br>
               <a:rPr kumimoji="0" lang="zh-CN" altLang="en-US" sz="2000" dirty="0" smtClean="0">
                 <a:solidFill>
@@ -6971,14 +6838,6 @@
                 </a:solidFill>
               </a:rPr>
             </a:br>
-            <a:r>
-              <a:rPr kumimoji="0" lang="zh-CN" altLang="en-US" sz="2000" dirty="0" smtClean="0">
-                <a:solidFill>
-                  <a:schemeClr val="tx1"/>
-                </a:solidFill>
-              </a:rPr>
-              <a:t/>
-            </a:r>
             <a:br>
               <a:rPr kumimoji="0" lang="zh-CN" altLang="en-US" sz="2000" dirty="0" smtClean="0">
                 <a:solidFill>
@@ -6986,14 +6845,6 @@
                 </a:solidFill>
               </a:rPr>
             </a:br>
-            <a:r>
-              <a:rPr kumimoji="0" lang="zh-CN" altLang="en-US" sz="2000" dirty="0" smtClean="0">
-                <a:solidFill>
-                  <a:schemeClr val="tx1"/>
-                </a:solidFill>
-              </a:rPr>
-              <a:t/>
-            </a:r>
             <a:br>
               <a:rPr kumimoji="0" lang="zh-CN" altLang="en-US" sz="2000" dirty="0" smtClean="0">
                 <a:solidFill>
@@ -7001,14 +6852,6 @@
                 </a:solidFill>
               </a:rPr>
             </a:br>
-            <a:r>
-              <a:rPr kumimoji="0" lang="zh-CN" altLang="en-US" sz="2000" dirty="0" smtClean="0">
-                <a:solidFill>
-                  <a:schemeClr val="tx1"/>
-                </a:solidFill>
-              </a:rPr>
-              <a:t/>
-            </a:r>
             <a:br>
               <a:rPr kumimoji="0" lang="zh-CN" altLang="en-US" sz="2000" dirty="0" smtClean="0">
                 <a:solidFill>
@@ -7016,14 +6859,6 @@
                 </a:solidFill>
               </a:rPr>
             </a:br>
-            <a:r>
-              <a:rPr kumimoji="0" lang="zh-CN" altLang="en-US" sz="2000" dirty="0" smtClean="0">
-                <a:solidFill>
-                  <a:schemeClr val="tx1"/>
-                </a:solidFill>
-              </a:rPr>
-              <a:t/>
-            </a:r>
             <a:br>
               <a:rPr kumimoji="0" lang="zh-CN" altLang="en-US" sz="2000" dirty="0" smtClean="0">
                 <a:solidFill>
@@ -7031,14 +6866,6 @@
                 </a:solidFill>
               </a:rPr>
             </a:br>
-            <a:r>
-              <a:rPr kumimoji="0" lang="zh-CN" altLang="en-US" sz="2000" dirty="0" smtClean="0">
-                <a:solidFill>
-                  <a:schemeClr val="tx1"/>
-                </a:solidFill>
-              </a:rPr>
-              <a:t/>
-            </a:r>
             <a:br>
               <a:rPr kumimoji="0" lang="zh-CN" altLang="en-US" sz="2000" dirty="0" smtClean="0">
                 <a:solidFill>
@@ -7102,6 +6929,7 @@
               <a:rPr kumimoji="0" lang="zh-CN" altLang="en-US" dirty="0"/>
               <a:t>高阶函数</a:t>
             </a:r>
+            <a:endParaRPr kumimoji="0" lang="zh-CN" altLang="en-US" dirty="0"/>
           </a:p>
         </p:txBody>
       </p:sp>
@@ -7198,6 +7026,13 @@
               </a:rPr>
               <a:t>Part2</a:t>
             </a:r>
+            <a:endParaRPr lang="en-US" altLang="zh-CN" sz="2200">
+              <a:solidFill>
+                <a:srgbClr val="FF0000"/>
+              </a:solidFill>
+              <a:latin typeface="+mn-ea"/>
+              <a:ea typeface="+mn-ea"/>
+            </a:endParaRPr>
           </a:p>
         </p:txBody>
       </p:sp>
@@ -7210,7 +7045,7 @@
           <p:nvPr/>
         </p:nvPicPr>
         <p:blipFill>
-          <a:blip r:embed="rId3"/>
+          <a:blip r:embed="rId1"/>
           <a:stretch>
             <a:fillRect/>
           </a:stretch>
@@ -7234,7 +7069,7 @@
           <p:nvPr/>
         </p:nvPicPr>
         <p:blipFill>
-          <a:blip r:embed="rId4"/>
+          <a:blip r:embed="rId2"/>
           <a:stretch>
             <a:fillRect/>
           </a:stretch>
@@ -7683,7 +7518,7 @@
           <p:nvPr/>
         </p:nvPicPr>
         <p:blipFill>
-          <a:blip r:embed="rId2" cstate="print">
+          <a:blip r:embed="rId1" cstate="print">
             <a:extLst>
               <a:ext uri="{28A0092B-C50C-407E-A947-70E740481C1C}">
                 <a14:useLocalDpi xmlns:a14="http://schemas.microsoft.com/office/drawing/2010/main" val="0"/>
@@ -7778,7 +7613,7 @@
                   <a:schemeClr val="tx2"/>
                 </a:solidFill>
               </a:rPr>
-              <a:t>Have a</a:t>
+              <a:t>Thank</a:t>
             </a:r>
             <a:r>
               <a:rPr lang="en-US" altLang="zh-CN" sz="5400">
@@ -7786,7 +7621,7 @@
                   <a:schemeClr val="accent3"/>
                 </a:solidFill>
               </a:rPr>
-              <a:t> Break</a:t>
+              <a:t> You</a:t>
             </a:r>
             <a:r>
               <a:rPr lang="zh-CN" altLang="en-US" sz="5400">
@@ -7796,6 +7631,11 @@
               </a:rPr>
               <a:t>！</a:t>
             </a:r>
+            <a:endParaRPr lang="zh-CN" altLang="en-US" sz="5400">
+              <a:solidFill>
+                <a:schemeClr val="tx2"/>
+              </a:solidFill>
+            </a:endParaRPr>
           </a:p>
         </p:txBody>
       </p:sp>
@@ -7808,7 +7648,7 @@
           <p:nvPr/>
         </p:nvPicPr>
         <p:blipFill>
-          <a:blip r:embed="rId3" cstate="print">
+          <a:blip r:embed="rId2" cstate="print">
             <a:extLst>
               <a:ext uri="{28A0092B-C50C-407E-A947-70E740481C1C}">
                 <a14:useLocalDpi xmlns:a14="http://schemas.microsoft.com/office/drawing/2010/main" val="0"/>
@@ -8202,10 +8042,9 @@
       </a:lstStyle>
     </a:lnDef>
   </a:objectDefaults>
-  <a:extraClrSchemeLst/>
   <a:extLst>
     <a:ext uri="{05A4C25C-085E-4340-85A3-A5531E510DB2}">
-      <thm15:themeFamily xmlns="" xmlns:thm15="http://schemas.microsoft.com/office/thememl/2012/main" name="Office Theme" id="{62F939B6-93AF-4DB8-9C6B-D6C7DFDC589F}" vid="{4A3C46E8-61CC-4603-A589-7422A47A8E4A}"/>
+      <thm15:themeFamily xmlns:thm15="http://schemas.microsoft.com/office/thememl/2012/main" name="Office Theme" id="{62F939B6-93AF-4DB8-9C6B-D6C7DFDC589F}" vid="{4A3C46E8-61CC-4603-A589-7422A47A8E4A}"/>
     </a:ext>
   </a:extLst>
 </a:theme>
@@ -8489,11 +8328,9 @@
       </a:bgFillStyleLst>
     </a:fmtScheme>
   </a:themeElements>
-  <a:objectDefaults/>
-  <a:extraClrSchemeLst/>
   <a:extLst>
     <a:ext uri="{05A4C25C-085E-4340-85A3-A5531E510DB2}">
-      <thm15:themeFamily xmlns="" xmlns:thm15="http://schemas.microsoft.com/office/thememl/2012/main" name="Office Theme" id="{62F939B6-93AF-4DB8-9C6B-D6C7DFDC589F}" vid="{4A3C46E8-61CC-4603-A589-7422A47A8E4A}"/>
+      <thm15:themeFamily xmlns:thm15="http://schemas.microsoft.com/office/thememl/2012/main" name="Office Theme" id="{62F939B6-93AF-4DB8-9C6B-D6C7DFDC589F}" vid="{4A3C46E8-61CC-4603-A589-7422A47A8E4A}"/>
     </a:ext>
   </a:extLst>
 </a:theme>

--- a/课程PPT/08.JS函数对象.pptx
+++ b/课程PPT/08.JS函数对象.pptx
@@ -5344,25 +5344,7 @@
                 </a:solidFill>
                 <a:sym typeface="+mn-ea"/>
               </a:rPr>
-              <a:t>- constructor</a:t>
-            </a:r>
-            <a:r>
-              <a:rPr lang="zh-CN" altLang="en-US" sz="2000" dirty="0" smtClean="0">
-                <a:solidFill>
-                  <a:srgbClr val="000000"/>
-                </a:solidFill>
-                <a:sym typeface="+mn-ea"/>
-              </a:rPr>
-              <a:t>、</a:t>
-            </a:r>
-            <a:r>
-              <a:rPr lang="en-US" altLang="zh-CN" sz="2000" dirty="0" smtClean="0">
-                <a:solidFill>
-                  <a:srgbClr val="000000"/>
-                </a:solidFill>
-                <a:sym typeface="+mn-ea"/>
-              </a:rPr>
-              <a:t>prototype</a:t>
+              <a:t>- prototype</a:t>
             </a:r>
             <a:endParaRPr lang="en-US" altLang="zh-CN" sz="2000" dirty="0" smtClean="0">
               <a:solidFill>
@@ -6815,20 +6797,6 @@
                   <a:srgbClr val="000000"/>
                 </a:solidFill>
                 <a:sym typeface="+mn-ea"/>
-              </a:rPr>
-            </a:br>
-            <a:br>
-              <a:rPr kumimoji="0" lang="zh-CN" altLang="en-US" sz="2000" dirty="0" smtClean="0">
-                <a:solidFill>
-                  <a:schemeClr val="tx1"/>
-                </a:solidFill>
-              </a:rPr>
-            </a:br>
-            <a:br>
-              <a:rPr kumimoji="0" lang="zh-CN" altLang="en-US" sz="2000" dirty="0" smtClean="0">
-                <a:solidFill>
-                  <a:schemeClr val="tx1"/>
-                </a:solidFill>
               </a:rPr>
             </a:br>
             <a:br>

--- a/课程PPT/08.JS函数对象.pptx
+++ b/课程PPT/08.JS函数对象.pptx
@@ -16,6 +16,7 @@
     <p:sldId id="1496" r:id="rId9"/>
     <p:sldId id="1497" r:id="rId10"/>
     <p:sldId id="1499" r:id="rId11"/>
+    <p:sldId id="1500" r:id="rId12"/>
   </p:sldIdLst>
   <p:sldSz cx="12192000" cy="6858000"/>
   <p:notesSz cx="6797675" cy="9928225"/>
@@ -957,6 +958,84 @@
             <a:endParaRPr kumimoji="0" lang="en-US" altLang="zh-CN" dirty="0" smtClean="0">
               <a:sym typeface="+mn-ea"/>
             </a:endParaRPr>
+          </a:p>
+        </p:txBody>
+      </p:sp>
+      <p:sp>
+        <p:nvSpPr>
+          <p:cNvPr id="4" name="灯片编号占位符 3"/>
+          <p:cNvSpPr>
+            <a:spLocks noGrp="1"/>
+          </p:cNvSpPr>
+          <p:nvPr>
+            <p:ph type="sldNum" sz="quarter" idx="10"/>
+          </p:nvPr>
+        </p:nvSpPr>
+        <p:spPr/>
+        <p:txBody>
+          <a:bodyPr/>
+          <a:lstStyle/>
+          <a:p>
+            <a:fld id="{D9AFD278-84AA-4CAA-9049-809825956FE0}" type="slidenum">
+              <a:rPr lang="en-US" altLang="zh-CN" smtClean="0"/>
+            </a:fld>
+            <a:endParaRPr lang="zh-CN" altLang="zh-CN"/>
+          </a:p>
+        </p:txBody>
+      </p:sp>
+    </p:spTree>
+  </p:cSld>
+  <p:clrMapOvr>
+    <a:masterClrMapping/>
+  </p:clrMapOvr>
+</p:notes>
+</file>
+
+<file path=ppt/notesSlides/notesSlide7.xml><?xml version="1.0" encoding="utf-8"?>
+<p:notes xmlns:a="http://schemas.openxmlformats.org/drawingml/2006/main" xmlns:r="http://schemas.openxmlformats.org/officeDocument/2006/relationships" xmlns:p="http://schemas.openxmlformats.org/presentationml/2006/main">
+  <p:cSld>
+    <p:spTree>
+      <p:nvGrpSpPr>
+        <p:cNvPr id="1" name=""/>
+        <p:cNvGrpSpPr/>
+        <p:nvPr/>
+      </p:nvGrpSpPr>
+      <p:grpSpPr>
+        <a:xfrm>
+          <a:off x="0" y="0"/>
+          <a:ext cx="0" cy="0"/>
+          <a:chOff x="0" y="0"/>
+          <a:chExt cx="0" cy="0"/>
+        </a:xfrm>
+      </p:grpSpPr>
+      <p:sp>
+        <p:nvSpPr>
+          <p:cNvPr id="2" name="幻灯片图像占位符 1"/>
+          <p:cNvSpPr>
+            <a:spLocks noGrp="1" noRot="1" noChangeAspect="1"/>
+          </p:cNvSpPr>
+          <p:nvPr>
+            <p:ph type="sldImg"/>
+          </p:nvPr>
+        </p:nvSpPr>
+        <p:spPr/>
+      </p:sp>
+      <p:sp>
+        <p:nvSpPr>
+          <p:cNvPr id="3" name="备注占位符 2"/>
+          <p:cNvSpPr>
+            <a:spLocks noGrp="1"/>
+          </p:cNvSpPr>
+          <p:nvPr>
+            <p:ph type="body" idx="1"/>
+          </p:nvPr>
+        </p:nvSpPr>
+        <p:spPr/>
+        <p:txBody>
+          <a:bodyPr/>
+          <a:lstStyle/>
+          <a:p>
+            <a:endParaRPr lang="zh-CN" altLang="en-US" dirty="0"/>
           </a:p>
         </p:txBody>
       </p:sp>
@@ -7661,6 +7740,281 @@
           </a:extLst>
         </p:spPr>
       </p:pic>
+    </p:spTree>
+  </p:cSld>
+  <p:clrMapOvr>
+    <a:masterClrMapping/>
+  </p:clrMapOvr>
+  <p:timing>
+    <p:tnLst>
+      <p:par>
+        <p:cTn id="1" dur="indefinite" restart="never" nodeType="tmRoot"/>
+      </p:par>
+    </p:tnLst>
+  </p:timing>
+</p:sld>
+</file>
+
+<file path=ppt/slides/slide9.xml><?xml version="1.0" encoding="utf-8"?>
+<p:sld xmlns:a="http://schemas.openxmlformats.org/drawingml/2006/main" xmlns:r="http://schemas.openxmlformats.org/officeDocument/2006/relationships" xmlns:p="http://schemas.openxmlformats.org/presentationml/2006/main">
+  <p:cSld>
+    <p:spTree>
+      <p:nvGrpSpPr>
+        <p:cNvPr id="1" name=""/>
+        <p:cNvGrpSpPr/>
+        <p:nvPr/>
+      </p:nvGrpSpPr>
+      <p:grpSpPr>
+        <a:xfrm>
+          <a:off x="0" y="0"/>
+          <a:ext cx="0" cy="0"/>
+          <a:chOff x="0" y="0"/>
+          <a:chExt cx="0" cy="0"/>
+        </a:xfrm>
+      </p:grpSpPr>
+      <p:sp>
+        <p:nvSpPr>
+          <p:cNvPr id="11266" name="内容占位符 1"/>
+          <p:cNvSpPr>
+            <a:spLocks noGrp="1"/>
+          </p:cNvSpPr>
+          <p:nvPr>
+            <p:ph sz="quarter" idx="10"/>
+          </p:nvPr>
+        </p:nvSpPr>
+        <p:spPr bwMode="auto">
+          <a:xfrm>
+            <a:off x="947420" y="940435"/>
+            <a:ext cx="9518015" cy="5115560"/>
+          </a:xfrm>
+          <a:noFill/>
+          <a:extLst>
+            <a:ext uri="{909E8E84-426E-40DD-AFC4-6F175D3DCCD1}">
+              <a14:hiddenFill xmlns:a14="http://schemas.microsoft.com/office/drawing/2010/main">
+                <a:solidFill>
+                  <a:srgbClr val="FFFFFF"/>
+                </a:solidFill>
+              </a14:hiddenFill>
+            </a:ext>
+            <a:ext uri="{91240B29-F687-4F45-9708-019B960494DF}">
+              <a14:hiddenLine xmlns:a14="http://schemas.microsoft.com/office/drawing/2010/main" w="9525">
+                <a:solidFill>
+                  <a:srgbClr val="000000"/>
+                </a:solidFill>
+                <a:miter lim="800000"/>
+                <a:headEnd/>
+                <a:tailEnd/>
+              </a14:hiddenLine>
+            </a:ext>
+          </a:extLst>
+        </p:spPr>
+        <p:txBody>
+          <a:bodyPr vert="horz" wrap="square" lIns="91440" tIns="45720" rIns="91440" bIns="45720" numCol="1" anchor="t" anchorCtr="0" compatLnSpc="1"/>
+          <a:lstStyle/>
+          <a:p>
+            <a:pPr>
+              <a:lnSpc>
+                <a:spcPct val="130000"/>
+              </a:lnSpc>
+            </a:pPr>
+            <a:r>
+              <a:rPr lang="zh-CN" altLang="en-US" sz="3200">
+                <a:solidFill>
+                  <a:schemeClr val="tx1"/>
+                </a:solidFill>
+                <a:sym typeface="+mn-ea"/>
+              </a:rPr>
+              <a:t>复习本章课件及练习</a:t>
+            </a:r>
+            <a:endParaRPr lang="zh-CN" altLang="en-US" sz="3200">
+              <a:solidFill>
+                <a:schemeClr val="tx1"/>
+              </a:solidFill>
+              <a:sym typeface="+mn-ea"/>
+            </a:endParaRPr>
+          </a:p>
+          <a:p>
+            <a:pPr>
+              <a:lnSpc>
+                <a:spcPct val="130000"/>
+              </a:lnSpc>
+            </a:pPr>
+            <a:r>
+              <a:rPr lang="zh-CN" altLang="en-US" sz="3200">
+                <a:solidFill>
+                  <a:schemeClr val="tx1"/>
+                </a:solidFill>
+                <a:sym typeface="+mn-ea"/>
+              </a:rPr>
+              <a:t>将自己的本章练习提交到个人仓库中</a:t>
+            </a:r>
+            <a:endParaRPr lang="zh-CN" altLang="en-US" sz="3200">
+              <a:solidFill>
+                <a:schemeClr val="tx1"/>
+              </a:solidFill>
+              <a:sym typeface="+mn-ea"/>
+            </a:endParaRPr>
+          </a:p>
+          <a:p>
+            <a:pPr>
+              <a:lnSpc>
+                <a:spcPct val="130000"/>
+              </a:lnSpc>
+            </a:pPr>
+            <a:r>
+              <a:rPr lang="zh-CN" altLang="en-US" sz="3200">
+                <a:solidFill>
+                  <a:schemeClr val="tx1"/>
+                </a:solidFill>
+                <a:sym typeface="+mn-ea"/>
+              </a:rPr>
+              <a:t>阅读《JavaScript权威指南》第8章中的8.</a:t>
+            </a:r>
+            <a:r>
+              <a:rPr lang="en-US" altLang="zh-CN" sz="3200">
+                <a:solidFill>
+                  <a:schemeClr val="tx1"/>
+                </a:solidFill>
+                <a:sym typeface="+mn-ea"/>
+              </a:rPr>
+              <a:t>7</a:t>
+            </a:r>
+            <a:r>
+              <a:rPr lang="zh-CN" altLang="en-US" sz="3200">
+                <a:solidFill>
+                  <a:schemeClr val="tx1"/>
+                </a:solidFill>
+                <a:sym typeface="+mn-ea"/>
+              </a:rPr>
+              <a:t>、8.</a:t>
+            </a:r>
+            <a:r>
+              <a:rPr lang="en-US" altLang="zh-CN" sz="3200">
+                <a:solidFill>
+                  <a:schemeClr val="tx1"/>
+                </a:solidFill>
+                <a:sym typeface="+mn-ea"/>
+              </a:rPr>
+              <a:t>8</a:t>
+            </a:r>
+            <a:r>
+              <a:rPr lang="zh-CN" altLang="en-US" sz="3200">
+                <a:solidFill>
+                  <a:schemeClr val="tx1"/>
+                </a:solidFill>
+                <a:sym typeface="+mn-ea"/>
+              </a:rPr>
+              <a:t>这</a:t>
+            </a:r>
+            <a:r>
+              <a:rPr lang="en-US" altLang="zh-CN" sz="3200">
+                <a:solidFill>
+                  <a:schemeClr val="tx1"/>
+                </a:solidFill>
+                <a:sym typeface="+mn-ea"/>
+              </a:rPr>
+              <a:t>2</a:t>
+            </a:r>
+            <a:r>
+              <a:rPr lang="zh-CN" altLang="en-US" sz="3200">
+                <a:solidFill>
+                  <a:schemeClr val="tx1"/>
+                </a:solidFill>
+                <a:sym typeface="+mn-ea"/>
+              </a:rPr>
+              <a:t>个小节中的内容</a:t>
+            </a:r>
+            <a:endParaRPr lang="zh-CN" altLang="en-US" sz="3200">
+              <a:solidFill>
+                <a:schemeClr val="tx1"/>
+              </a:solidFill>
+              <a:sym typeface="+mn-ea"/>
+            </a:endParaRPr>
+          </a:p>
+          <a:p>
+            <a:pPr marL="0" indent="0">
+              <a:lnSpc>
+                <a:spcPct val="130000"/>
+              </a:lnSpc>
+              <a:buNone/>
+            </a:pPr>
+            <a:br>
+              <a:rPr lang="en-US" altLang="zh-CN" sz="3200">
+                <a:solidFill>
+                  <a:schemeClr val="tx1"/>
+                </a:solidFill>
+                <a:sym typeface="+mn-ea"/>
+              </a:rPr>
+            </a:br>
+            <a:br>
+              <a:rPr kumimoji="0" lang="zh-CN" altLang="en-US" sz="2000" dirty="0" smtClean="0">
+                <a:solidFill>
+                  <a:schemeClr val="tx1"/>
+                </a:solidFill>
+                <a:sym typeface="+mn-ea"/>
+              </a:rPr>
+            </a:br>
+            <a:endParaRPr kumimoji="0" lang="zh-CN" altLang="en-US" sz="2000" dirty="0" smtClean="0">
+              <a:solidFill>
+                <a:schemeClr val="tx1"/>
+              </a:solidFill>
+              <a:sym typeface="+mn-ea"/>
+            </a:endParaRPr>
+          </a:p>
+          <a:p>
+            <a:pPr eaLnBrk="1" hangingPunct="1">
+              <a:lnSpc>
+                <a:spcPct val="150000"/>
+              </a:lnSpc>
+            </a:pPr>
+            <a:endParaRPr kumimoji="0" lang="en-US" altLang="zh-CN" sz="3600" dirty="0" smtClean="0">
+              <a:solidFill>
+                <a:schemeClr val="tx1"/>
+              </a:solidFill>
+            </a:endParaRPr>
+          </a:p>
+          <a:p>
+            <a:pPr eaLnBrk="1" hangingPunct="1">
+              <a:lnSpc>
+                <a:spcPct val="150000"/>
+              </a:lnSpc>
+            </a:pPr>
+            <a:endParaRPr kumimoji="0" lang="zh-CN" altLang="en-US" dirty="0" smtClean="0">
+              <a:solidFill>
+                <a:schemeClr val="tx1"/>
+              </a:solidFill>
+            </a:endParaRPr>
+          </a:p>
+        </p:txBody>
+      </p:sp>
+      <p:sp>
+        <p:nvSpPr>
+          <p:cNvPr id="2" name="内容占位符 1"/>
+          <p:cNvSpPr>
+            <a:spLocks noGrp="1"/>
+          </p:cNvSpPr>
+          <p:nvPr>
+            <p:ph sz="quarter" idx="11"/>
+          </p:nvPr>
+        </p:nvSpPr>
+        <p:spPr>
+          <a:xfrm>
+            <a:off x="947420" y="308610"/>
+            <a:ext cx="8415655" cy="490220"/>
+          </a:xfrm>
+        </p:spPr>
+        <p:txBody>
+          <a:bodyPr/>
+          <a:lstStyle/>
+          <a:p>
+            <a:r>
+              <a:rPr kumimoji="0" lang="zh-CN" dirty="0"/>
+              <a:t>作业</a:t>
+            </a:r>
+            <a:endParaRPr kumimoji="0" lang="zh-CN" dirty="0"/>
+          </a:p>
+        </p:txBody>
+      </p:sp>
     </p:spTree>
   </p:cSld>
   <p:clrMapOvr>
